--- a/校园美食评-最终展示.pptx
+++ b/校园美食评-最终展示.pptx
@@ -14,8 +14,7 @@
     <p:sldId id="262" r:id="rId8"/>
     <p:sldId id="263" r:id="rId9"/>
     <p:sldId id="264" r:id="rId10"/>
-    <p:sldId id="265" r:id="rId11"/>
-    <p:sldId id="266" r:id="rId12"/>
+    <p:sldId id="266" r:id="rId11"/>
   </p:sldIdLst>
   <p:sldSz cx="12192000" cy="6858000"/>
   <p:notesSz cx="6858000" cy="9144000"/>
@@ -5644,89 +5643,6 @@
         </a:p>
       </dgm:t>
     </dgm:pt>
-    <dgm:pt modelId="{4221EDB3-5BCB-432D-A219-1058E11C933C}">
-      <dgm:prSet/>
-      <dgm:spPr/>
-      <dgm:t>
-        <a:bodyPr/>
-        <a:lstStyle/>
-        <a:p>
-          <a:r>
-            <a:rPr lang="zh-CN" altLang="en-US" b="1" dirty="0">
-              <a:effectLst>
-                <a:outerShdw blurRad="38100" dist="38100" dir="2700000" algn="tl">
-                  <a:srgbClr val="000000">
-                    <a:alpha val="43137"/>
-                  </a:srgbClr>
-                </a:outerShdw>
-              </a:effectLst>
-            </a:rPr>
-            <a:t>资金</a:t>
-          </a:r>
-          <a:endParaRPr lang="en-US" altLang="zh-CN" b="1" dirty="0">
-            <a:effectLst>
-              <a:outerShdw blurRad="38100" dist="38100" dir="2700000" algn="tl">
-                <a:srgbClr val="000000">
-                  <a:alpha val="43137"/>
-                </a:srgbClr>
-              </a:outerShdw>
-            </a:effectLst>
-          </a:endParaRPr>
-        </a:p>
-        <a:p>
-          <a:r>
-            <a:rPr lang="zh-CN" altLang="en-US" b="1" dirty="0">
-              <a:effectLst>
-                <a:outerShdw blurRad="38100" dist="38100" dir="2700000" algn="tl">
-                  <a:srgbClr val="000000">
-                    <a:alpha val="43137"/>
-                  </a:srgbClr>
-                </a:outerShdw>
-              </a:effectLst>
-            </a:rPr>
-            <a:t>预算决算</a:t>
-          </a:r>
-        </a:p>
-      </dgm:t>
-    </dgm:pt>
-    <dgm:pt modelId="{FD1B7AE7-7F53-4F62-AC90-BB67AA03CA17}" type="parTrans" cxnId="{C3B13759-CB84-407F-B829-7DF4D03F0BD9}">
-      <dgm:prSet/>
-      <dgm:spPr/>
-      <dgm:t>
-        <a:bodyPr/>
-        <a:lstStyle/>
-        <a:p>
-          <a:endParaRPr lang="zh-CN" altLang="en-US" b="1">
-            <a:effectLst>
-              <a:outerShdw blurRad="38100" dist="38100" dir="2700000" algn="tl">
-                <a:srgbClr val="000000">
-                  <a:alpha val="43137"/>
-                </a:srgbClr>
-              </a:outerShdw>
-            </a:effectLst>
-          </a:endParaRPr>
-        </a:p>
-      </dgm:t>
-    </dgm:pt>
-    <dgm:pt modelId="{D39B7436-3C12-4D71-882E-588AB119CAEF}" type="sibTrans" cxnId="{C3B13759-CB84-407F-B829-7DF4D03F0BD9}">
-      <dgm:prSet/>
-      <dgm:spPr/>
-      <dgm:t>
-        <a:bodyPr/>
-        <a:lstStyle/>
-        <a:p>
-          <a:endParaRPr lang="zh-CN" altLang="en-US" b="1">
-            <a:effectLst>
-              <a:outerShdw blurRad="38100" dist="38100" dir="2700000" algn="tl">
-                <a:srgbClr val="000000">
-                  <a:alpha val="43137"/>
-                </a:srgbClr>
-              </a:outerShdw>
-            </a:effectLst>
-          </a:endParaRPr>
-        </a:p>
-      </dgm:t>
-    </dgm:pt>
     <dgm:pt modelId="{A31BEA7E-0A2F-476F-92C3-864B1FD7436C}" type="pres">
       <dgm:prSet presAssocID="{3FB0FA63-FB8F-4159-B67E-C668B4C2A7E9}" presName="CompostProcess" presStyleCnt="0">
         <dgm:presLayoutVars>
@@ -5745,7 +5661,7 @@
       <dgm:spPr/>
     </dgm:pt>
     <dgm:pt modelId="{8DB72E46-B9CF-4907-936F-39C404B67FEF}" type="pres">
-      <dgm:prSet presAssocID="{8CE8C9A4-6379-4D90-AE10-FB790C7333CF}" presName="textNode" presStyleLbl="node1" presStyleIdx="0" presStyleCnt="4">
+      <dgm:prSet presAssocID="{8CE8C9A4-6379-4D90-AE10-FB790C7333CF}" presName="textNode" presStyleLbl="node1" presStyleIdx="0" presStyleCnt="3">
         <dgm:presLayoutVars>
           <dgm:bulletEnabled val="1"/>
         </dgm:presLayoutVars>
@@ -5757,7 +5673,7 @@
       <dgm:spPr/>
     </dgm:pt>
     <dgm:pt modelId="{8FAC0FDE-4E91-4284-97E0-D3342E93A5DB}" type="pres">
-      <dgm:prSet presAssocID="{B53BEF09-C020-4D69-97FD-952795BF4EC9}" presName="textNode" presStyleLbl="node1" presStyleIdx="1" presStyleCnt="4">
+      <dgm:prSet presAssocID="{B53BEF09-C020-4D69-97FD-952795BF4EC9}" presName="textNode" presStyleLbl="node1" presStyleIdx="1" presStyleCnt="3">
         <dgm:presLayoutVars>
           <dgm:bulletEnabled val="1"/>
         </dgm:presLayoutVars>
@@ -5769,19 +5685,7 @@
       <dgm:spPr/>
     </dgm:pt>
     <dgm:pt modelId="{BE97A9FF-4A3F-4004-AD3C-B6E166C2846D}" type="pres">
-      <dgm:prSet presAssocID="{1DA32BFA-3C3D-427F-9FE4-CA90379F250F}" presName="textNode" presStyleLbl="node1" presStyleIdx="2" presStyleCnt="4">
-        <dgm:presLayoutVars>
-          <dgm:bulletEnabled val="1"/>
-        </dgm:presLayoutVars>
-      </dgm:prSet>
-      <dgm:spPr/>
-    </dgm:pt>
-    <dgm:pt modelId="{DA244492-4200-476D-A87F-D7403F05B965}" type="pres">
-      <dgm:prSet presAssocID="{CC5B2684-2493-4ED9-ACDC-9186896747FD}" presName="sibTrans" presStyleCnt="0"/>
-      <dgm:spPr/>
-    </dgm:pt>
-    <dgm:pt modelId="{0E672EAD-2322-4028-883E-67FC57B0F470}" type="pres">
-      <dgm:prSet presAssocID="{4221EDB3-5BCB-432D-A219-1058E11C933C}" presName="textNode" presStyleLbl="node1" presStyleIdx="3" presStyleCnt="4">
+      <dgm:prSet presAssocID="{1DA32BFA-3C3D-427F-9FE4-CA90379F250F}" presName="textNode" presStyleLbl="node1" presStyleIdx="2" presStyleCnt="3">
         <dgm:presLayoutVars>
           <dgm:bulletEnabled val="1"/>
         </dgm:presLayoutVars>
@@ -5795,10 +5699,8 @@
     <dgm:cxn modelId="{031F23A6-279C-4A46-B41D-3E471F1E31D1}" srcId="{3FB0FA63-FB8F-4159-B67E-C668B4C2A7E9}" destId="{1DA32BFA-3C3D-427F-9FE4-CA90379F250F}" srcOrd="2" destOrd="0" parTransId="{04784543-8150-4D30-9CD4-A4F7E6C979FF}" sibTransId="{CC5B2684-2493-4ED9-ACDC-9186896747FD}"/>
     <dgm:cxn modelId="{F89D7293-8B71-4BB2-A2BF-FA55C5092DE3}" type="presOf" srcId="{B53BEF09-C020-4D69-97FD-952795BF4EC9}" destId="{8FAC0FDE-4E91-4284-97E0-D3342E93A5DB}" srcOrd="0" destOrd="0" presId="urn:microsoft.com/office/officeart/2005/8/layout/hProcess9"/>
     <dgm:cxn modelId="{A39B7F41-CEA4-450F-A6CB-27CCC285C171}" type="presOf" srcId="{1DA32BFA-3C3D-427F-9FE4-CA90379F250F}" destId="{BE97A9FF-4A3F-4004-AD3C-B6E166C2846D}" srcOrd="0" destOrd="0" presId="urn:microsoft.com/office/officeart/2005/8/layout/hProcess9"/>
-    <dgm:cxn modelId="{C3B13759-CB84-407F-B829-7DF4D03F0BD9}" srcId="{3FB0FA63-FB8F-4159-B67E-C668B4C2A7E9}" destId="{4221EDB3-5BCB-432D-A219-1058E11C933C}" srcOrd="3" destOrd="0" parTransId="{FD1B7AE7-7F53-4F62-AC90-BB67AA03CA17}" sibTransId="{D39B7436-3C12-4D71-882E-588AB119CAEF}"/>
     <dgm:cxn modelId="{2275F2C0-A72D-4189-8F41-7BDA298D20D3}" srcId="{3FB0FA63-FB8F-4159-B67E-C668B4C2A7E9}" destId="{8CE8C9A4-6379-4D90-AE10-FB790C7333CF}" srcOrd="0" destOrd="0" parTransId="{BD508CBA-D559-42AF-88F3-4A03BFC2BC81}" sibTransId="{8B9CD78C-4678-46A4-84C1-62A9735694A6}"/>
     <dgm:cxn modelId="{B50640AC-7033-40EC-BC1D-8B642C1F997F}" type="presOf" srcId="{3FB0FA63-FB8F-4159-B67E-C668B4C2A7E9}" destId="{A31BEA7E-0A2F-476F-92C3-864B1FD7436C}" srcOrd="0" destOrd="0" presId="urn:microsoft.com/office/officeart/2005/8/layout/hProcess9"/>
-    <dgm:cxn modelId="{79E829A2-130E-4862-966E-B88E2E77A554}" type="presOf" srcId="{4221EDB3-5BCB-432D-A219-1058E11C933C}" destId="{0E672EAD-2322-4028-883E-67FC57B0F470}" srcOrd="0" destOrd="0" presId="urn:microsoft.com/office/officeart/2005/8/layout/hProcess9"/>
     <dgm:cxn modelId="{D76F9AC2-8246-4D8E-99EF-6537A1F70298}" type="presParOf" srcId="{A31BEA7E-0A2F-476F-92C3-864B1FD7436C}" destId="{A910177A-C29D-4FA4-8BC1-6294CFA4CCB5}" srcOrd="0" destOrd="0" presId="urn:microsoft.com/office/officeart/2005/8/layout/hProcess9"/>
     <dgm:cxn modelId="{9C1ECE8D-4501-4D07-83B3-2CCF28B31855}" type="presParOf" srcId="{A31BEA7E-0A2F-476F-92C3-864B1FD7436C}" destId="{97CFBA54-D34A-4A1D-96BD-C64BDA26C142}" srcOrd="1" destOrd="0" presId="urn:microsoft.com/office/officeart/2005/8/layout/hProcess9"/>
     <dgm:cxn modelId="{FC4AF367-06AD-4D21-B098-587A6274EB51}" type="presParOf" srcId="{97CFBA54-D34A-4A1D-96BD-C64BDA26C142}" destId="{8DB72E46-B9CF-4907-936F-39C404B67FEF}" srcOrd="0" destOrd="0" presId="urn:microsoft.com/office/officeart/2005/8/layout/hProcess9"/>
@@ -5806,8 +5708,6 @@
     <dgm:cxn modelId="{CD7EA125-07C9-4F7E-B113-64023A947DD6}" type="presParOf" srcId="{97CFBA54-D34A-4A1D-96BD-C64BDA26C142}" destId="{8FAC0FDE-4E91-4284-97E0-D3342E93A5DB}" srcOrd="2" destOrd="0" presId="urn:microsoft.com/office/officeart/2005/8/layout/hProcess9"/>
     <dgm:cxn modelId="{7FA4E4E1-35C4-48B5-9D02-BBA19C1CA4E2}" type="presParOf" srcId="{97CFBA54-D34A-4A1D-96BD-C64BDA26C142}" destId="{BD8E9E46-72FD-41FD-9FC7-A7EFC8F06B48}" srcOrd="3" destOrd="0" presId="urn:microsoft.com/office/officeart/2005/8/layout/hProcess9"/>
     <dgm:cxn modelId="{77C26200-5227-4941-A72F-6594A95C4A5B}" type="presParOf" srcId="{97CFBA54-D34A-4A1D-96BD-C64BDA26C142}" destId="{BE97A9FF-4A3F-4004-AD3C-B6E166C2846D}" srcOrd="4" destOrd="0" presId="urn:microsoft.com/office/officeart/2005/8/layout/hProcess9"/>
-    <dgm:cxn modelId="{4DB879F5-D31A-41EE-B346-18C98122356E}" type="presParOf" srcId="{97CFBA54-D34A-4A1D-96BD-C64BDA26C142}" destId="{DA244492-4200-476D-A87F-D7403F05B965}" srcOrd="5" destOrd="0" presId="urn:microsoft.com/office/officeart/2005/8/layout/hProcess9"/>
-    <dgm:cxn modelId="{0EA31DF4-7B98-4C83-8BE7-86C4C68CFA51}" type="presParOf" srcId="{97CFBA54-D34A-4A1D-96BD-C64BDA26C142}" destId="{0E672EAD-2322-4028-883E-67FC57B0F470}" srcOrd="6" destOrd="0" presId="urn:microsoft.com/office/officeart/2005/8/layout/hProcess9"/>
   </dgm:cxnLst>
   <dgm:bg/>
   <dgm:whole/>
@@ -8371,66 +8271,6 @@
         <a:lstStyle/>
         <a:p>
           <a:r>
-            <a:rPr lang="zh-CN" altLang="en-US" b="1" dirty="0">
-              <a:effectLst>
-                <a:outerShdw blurRad="38100" dist="38100" dir="2700000" algn="tl">
-                  <a:srgbClr val="000000">
-                    <a:alpha val="43137"/>
-                  </a:srgbClr>
-                </a:outerShdw>
-              </a:effectLst>
-            </a:rPr>
-            <a:t>取消管理员权限</a:t>
-          </a:r>
-        </a:p>
-      </dgm:t>
-    </dgm:pt>
-    <dgm:pt modelId="{95272A51-2EF6-4442-BADB-5E8465EA767A}" type="parTrans" cxnId="{EA158BCE-2867-42AA-8C8E-8EF81570A534}">
-      <dgm:prSet/>
-      <dgm:spPr/>
-      <dgm:t>
-        <a:bodyPr/>
-        <a:lstStyle/>
-        <a:p>
-          <a:endParaRPr lang="zh-CN" altLang="en-US" b="1">
-            <a:effectLst>
-              <a:outerShdw blurRad="38100" dist="38100" dir="2700000" algn="tl">
-                <a:srgbClr val="000000">
-                  <a:alpha val="43137"/>
-                </a:srgbClr>
-              </a:outerShdw>
-            </a:effectLst>
-          </a:endParaRPr>
-        </a:p>
-      </dgm:t>
-    </dgm:pt>
-    <dgm:pt modelId="{6B26D4AF-F743-48BF-8FEF-D41125606327}" type="sibTrans" cxnId="{EA158BCE-2867-42AA-8C8E-8EF81570A534}">
-      <dgm:prSet/>
-      <dgm:spPr/>
-      <dgm:t>
-        <a:bodyPr/>
-        <a:lstStyle/>
-        <a:p>
-          <a:endParaRPr lang="zh-CN" altLang="en-US" b="1">
-            <a:effectLst>
-              <a:outerShdw blurRad="38100" dist="38100" dir="2700000" algn="tl">
-                <a:srgbClr val="000000">
-                  <a:alpha val="43137"/>
-                </a:srgbClr>
-              </a:outerShdw>
-            </a:effectLst>
-          </a:endParaRPr>
-        </a:p>
-      </dgm:t>
-    </dgm:pt>
-    <dgm:pt modelId="{3FB825C8-0FDB-4105-917C-B76C1D8ABBD1}">
-      <dgm:prSet phldrT="[文本]"/>
-      <dgm:spPr/>
-      <dgm:t>
-        <a:bodyPr/>
-        <a:lstStyle/>
-        <a:p>
-          <a:r>
             <a:rPr lang="en-US" altLang="zh-CN" b="1" dirty="0">
               <a:effectLst>
                 <a:outerShdw blurRad="38100" dist="38100" dir="2700000" algn="tl">
@@ -8457,7 +8297,7 @@
         </a:p>
       </dgm:t>
     </dgm:pt>
-    <dgm:pt modelId="{416F78D5-AA14-4386-A1DB-600390EB32C1}" type="parTrans" cxnId="{53CBBC50-B6EE-4C6A-A855-DAE6B2ABD148}">
+    <dgm:pt modelId="{95272A51-2EF6-4442-BADB-5E8465EA767A}" type="parTrans" cxnId="{EA158BCE-2867-42AA-8C8E-8EF81570A534}">
       <dgm:prSet/>
       <dgm:spPr/>
       <dgm:t>
@@ -8476,7 +8316,7 @@
         </a:p>
       </dgm:t>
     </dgm:pt>
-    <dgm:pt modelId="{75235C9F-24D8-4029-9032-B0FA51239F3C}" type="sibTrans" cxnId="{53CBBC50-B6EE-4C6A-A855-DAE6B2ABD148}">
+    <dgm:pt modelId="{6B26D4AF-F743-48BF-8FEF-D41125606327}" type="sibTrans" cxnId="{EA158BCE-2867-42AA-8C8E-8EF81570A534}">
       <dgm:prSet/>
       <dgm:spPr/>
       <dgm:t>
@@ -8692,7 +8532,7 @@
                 </a:outerShdw>
               </a:effectLst>
             </a:rPr>
-            <a:t>搜索菜品功能</a:t>
+            <a:t>后台评分统计功能</a:t>
           </a:r>
         </a:p>
       </dgm:t>
@@ -8845,7 +8685,6 @@
     <dgm:cxn modelId="{539E0F95-E7E2-49EC-B806-BD99527CBFD5}" type="presOf" srcId="{2AB71B93-D76D-43C6-AF96-A4C3D293B0DE}" destId="{0D8EBDF6-32F1-48E7-9036-195F460403C8}" srcOrd="1" destOrd="0" presId="urn:microsoft.com/office/officeart/2005/8/layout/bList2"/>
     <dgm:cxn modelId="{F655BE4D-8A41-4F75-BB25-D7354D05C368}" type="presOf" srcId="{B275AEC2-6767-48FF-93BE-1D49386255A6}" destId="{530AE5A2-7DDA-429E-88FF-780B09BFD84D}" srcOrd="0" destOrd="0" presId="urn:microsoft.com/office/officeart/2005/8/layout/bList2"/>
     <dgm:cxn modelId="{695CF265-0D8B-44E2-B092-2E27B5764827}" type="presOf" srcId="{82025AF2-E49E-4158-8253-61A7DE404D29}" destId="{B23BC790-E0EF-4BF6-93D5-032DD7B75FCD}" srcOrd="0" destOrd="0" presId="urn:microsoft.com/office/officeart/2005/8/layout/bList2"/>
-    <dgm:cxn modelId="{E6DDE0FB-92F2-4536-BE19-B03F93E9B24E}" type="presOf" srcId="{3FB825C8-0FDB-4105-917C-B76C1D8ABBD1}" destId="{B747C6FD-1A02-4CBA-B766-21CF6A10C2F7}" srcOrd="0" destOrd="1" presId="urn:microsoft.com/office/officeart/2005/8/layout/bList2"/>
     <dgm:cxn modelId="{3ED89214-206B-4FE6-B87A-9692A092FB47}" type="presOf" srcId="{82025AF2-E49E-4158-8253-61A7DE404D29}" destId="{F88F4395-8830-4555-8D0E-B3774CA2C07E}" srcOrd="1" destOrd="0" presId="urn:microsoft.com/office/officeart/2005/8/layout/bList2"/>
     <dgm:cxn modelId="{FED15480-2B50-4393-98AC-03B45D1336CC}" srcId="{896FF209-9692-4F6D-AF28-3A96331DDBA2}" destId="{82025AF2-E49E-4158-8253-61A7DE404D29}" srcOrd="0" destOrd="0" parTransId="{4CFDCE34-6A2B-4726-8A87-91E09BE6D5DA}" sibTransId="{7B3C8585-1510-4E0E-9085-0CF3598DBCD1}"/>
     <dgm:cxn modelId="{356B7445-2185-42A6-9779-46B2BE99ED53}" srcId="{896FF209-9692-4F6D-AF28-3A96331DDBA2}" destId="{2AB71B93-D76D-43C6-AF96-A4C3D293B0DE}" srcOrd="1" destOrd="0" parTransId="{5E7F5B7C-E0F9-4B01-8644-0D480681E3D7}" sibTransId="{34370F0C-5536-4248-A829-4FB65D1A8536}"/>
@@ -8855,7 +8694,6 @@
     <dgm:cxn modelId="{CA327AAA-1BFF-4801-81CC-FE12CCE192F5}" type="presOf" srcId="{5D29D6C0-C9AB-4E78-A8B3-492C0EFB92F4}" destId="{2735A9A5-17DB-4364-8C17-8A3F0EF621BC}" srcOrd="0" destOrd="0" presId="urn:microsoft.com/office/officeart/2005/8/layout/bList2"/>
     <dgm:cxn modelId="{E162A2CA-E312-4281-9FD9-D6F1FD11464D}" type="presOf" srcId="{896FF209-9692-4F6D-AF28-3A96331DDBA2}" destId="{A11F51D3-B2B5-469A-9078-C5F430888BCA}" srcOrd="0" destOrd="0" presId="urn:microsoft.com/office/officeart/2005/8/layout/bList2"/>
     <dgm:cxn modelId="{F19EBE6C-F714-4BD9-BC0F-C318346E498E}" type="presOf" srcId="{F5A37B2C-72DC-4821-AD4C-4A383EB3E527}" destId="{08A22FDD-1461-4ADC-B064-594DFA68FB00}" srcOrd="0" destOrd="0" presId="urn:microsoft.com/office/officeart/2005/8/layout/bList2"/>
-    <dgm:cxn modelId="{53CBBC50-B6EE-4C6A-A855-DAE6B2ABD148}" srcId="{82025AF2-E49E-4158-8253-61A7DE404D29}" destId="{3FB825C8-0FDB-4105-917C-B76C1D8ABBD1}" srcOrd="1" destOrd="0" parTransId="{416F78D5-AA14-4386-A1DB-600390EB32C1}" sibTransId="{75235C9F-24D8-4029-9032-B0FA51239F3C}"/>
     <dgm:cxn modelId="{70B641C4-150A-4ACD-8F22-A06F4AD1058B}" type="presOf" srcId="{5D29D6C0-C9AB-4E78-A8B3-492C0EFB92F4}" destId="{37D98383-94C4-4299-BB54-B64B9C7E5A3C}" srcOrd="1" destOrd="0" presId="urn:microsoft.com/office/officeart/2005/8/layout/bList2"/>
     <dgm:cxn modelId="{EA158BCE-2867-42AA-8C8E-8EF81570A534}" srcId="{82025AF2-E49E-4158-8253-61A7DE404D29}" destId="{4B966FC2-AA2B-4B66-A5E9-44D18B2A7DD2}" srcOrd="0" destOrd="0" parTransId="{95272A51-2EF6-4442-BADB-5E8465EA767A}" sibTransId="{6B26D4AF-F743-48BF-8FEF-D41125606327}"/>
     <dgm:cxn modelId="{FE5C7F3B-AF21-4BA5-90BD-DCEC209F8EA7}" type="presOf" srcId="{2AB71B93-D76D-43C6-AF96-A4C3D293B0DE}" destId="{71FAD94D-2AC2-4D2E-A7F5-2BFD525B48AD}" srcOrd="0" destOrd="0" presId="urn:microsoft.com/office/officeart/2005/8/layout/bList2"/>
@@ -8962,8 +8800,8 @@
       </dsp:nvSpPr>
       <dsp:spPr>
         <a:xfrm>
-          <a:off x="7582" y="937260"/>
-          <a:ext cx="2291022" cy="1249680"/>
+          <a:off x="123766" y="937260"/>
+          <a:ext cx="3005613" cy="1249680"/>
         </a:xfrm>
         <a:prstGeom prst="roundRect">
           <a:avLst/>
@@ -9078,8 +8916,8 @@
         </a:p>
       </dsp:txBody>
       <dsp:txXfrm>
-        <a:off x="68586" y="998264"/>
-        <a:ext cx="2169014" cy="1127672"/>
+        <a:off x="184770" y="998264"/>
+        <a:ext cx="2883605" cy="1127672"/>
       </dsp:txXfrm>
     </dsp:sp>
     <dsp:sp modelId="{8FAC0FDE-4E91-4284-97E0-D3342E93A5DB}">
@@ -9089,8 +8927,8 @@
       </dsp:nvSpPr>
       <dsp:spPr>
         <a:xfrm>
-          <a:off x="2578424" y="937260"/>
-          <a:ext cx="2291022" cy="1249680"/>
+          <a:off x="3506549" y="937260"/>
+          <a:ext cx="3005613" cy="1249680"/>
         </a:xfrm>
         <a:prstGeom prst="roundRect">
           <a:avLst/>
@@ -9098,9 +8936,9 @@
         <a:solidFill>
           <a:schemeClr val="accent1">
             <a:shade val="80000"/>
-            <a:hueOff val="-185546"/>
-            <a:satOff val="352"/>
-            <a:lumOff val="9803"/>
+            <a:hueOff val="-278319"/>
+            <a:satOff val="528"/>
+            <a:lumOff val="14704"/>
             <a:alphaOff val="0"/>
           </a:schemeClr>
         </a:solidFill>
@@ -9205,8 +9043,8 @@
         </a:p>
       </dsp:txBody>
       <dsp:txXfrm>
-        <a:off x="2639428" y="998264"/>
-        <a:ext cx="2169014" cy="1127672"/>
+        <a:off x="3567553" y="998264"/>
+        <a:ext cx="2883605" cy="1127672"/>
       </dsp:txXfrm>
     </dsp:sp>
     <dsp:sp modelId="{BE97A9FF-4A3F-4004-AD3C-B6E166C2846D}">
@@ -9216,8 +9054,8 @@
       </dsp:nvSpPr>
       <dsp:spPr>
         <a:xfrm>
-          <a:off x="5149265" y="937260"/>
-          <a:ext cx="2291022" cy="1249680"/>
+          <a:off x="6889332" y="937260"/>
+          <a:ext cx="3005613" cy="1249680"/>
         </a:xfrm>
         <a:prstGeom prst="roundRect">
           <a:avLst/>
@@ -9225,9 +9063,9 @@
         <a:solidFill>
           <a:schemeClr val="accent1">
             <a:shade val="80000"/>
-            <a:hueOff val="-371092"/>
-            <a:satOff val="704"/>
-            <a:lumOff val="19605"/>
+            <a:hueOff val="-556638"/>
+            <a:satOff val="1056"/>
+            <a:lumOff val="29408"/>
             <a:alphaOff val="0"/>
           </a:schemeClr>
         </a:solidFill>
@@ -9341,135 +9179,8 @@
         </a:p>
       </dsp:txBody>
       <dsp:txXfrm>
-        <a:off x="5210269" y="998264"/>
-        <a:ext cx="2169014" cy="1127672"/>
-      </dsp:txXfrm>
-    </dsp:sp>
-    <dsp:sp modelId="{0E672EAD-2322-4028-883E-67FC57B0F470}">
-      <dsp:nvSpPr>
-        <dsp:cNvPr id="0" name=""/>
-        <dsp:cNvSpPr/>
-      </dsp:nvSpPr>
-      <dsp:spPr>
-        <a:xfrm>
-          <a:off x="7720107" y="937260"/>
-          <a:ext cx="2291022" cy="1249680"/>
-        </a:xfrm>
-        <a:prstGeom prst="roundRect">
-          <a:avLst/>
-        </a:prstGeom>
-        <a:solidFill>
-          <a:schemeClr val="accent1">
-            <a:shade val="80000"/>
-            <a:hueOff val="-556638"/>
-            <a:satOff val="1056"/>
-            <a:lumOff val="29408"/>
-            <a:alphaOff val="0"/>
-          </a:schemeClr>
-        </a:solidFill>
-        <a:ln>
-          <a:noFill/>
-        </a:ln>
-        <a:effectLst>
-          <a:reflection blurRad="12700" stA="26000" endPos="32000" dist="12700" dir="5400000" sy="-100000" rotWithShape="0"/>
-        </a:effectLst>
-        <a:scene3d>
-          <a:camera prst="orthographicFront">
-            <a:rot lat="0" lon="0" rev="0"/>
-          </a:camera>
-          <a:lightRig rig="contrasting" dir="t">
-            <a:rot lat="0" lon="0" rev="1200000"/>
-          </a:lightRig>
-        </a:scene3d>
-        <a:sp3d contourW="19050" prstMaterial="metal">
-          <a:bevelT w="88900" h="203200"/>
-          <a:bevelB w="165100" h="254000"/>
-        </a:sp3d>
-      </dsp:spPr>
-      <dsp:style>
-        <a:lnRef idx="0">
-          <a:scrgbClr r="0" g="0" b="0"/>
-        </a:lnRef>
-        <a:fillRef idx="1">
-          <a:scrgbClr r="0" g="0" b="0"/>
-        </a:fillRef>
-        <a:effectRef idx="2">
-          <a:scrgbClr r="0" g="0" b="0"/>
-        </a:effectRef>
-        <a:fontRef idx="minor">
-          <a:schemeClr val="lt1"/>
-        </a:fontRef>
-      </dsp:style>
-      <dsp:txBody>
-        <a:bodyPr spcFirstLastPara="0" vert="horz" wrap="square" lIns="87630" tIns="87630" rIns="87630" bIns="87630" numCol="1" spcCol="1270" anchor="ctr" anchorCtr="0">
-          <a:noAutofit/>
-        </a:bodyPr>
-        <a:lstStyle/>
-        <a:p>
-          <a:pPr marL="0" lvl="0" indent="0" algn="ctr" defTabSz="1022350">
-            <a:lnSpc>
-              <a:spcPct val="90000"/>
-            </a:lnSpc>
-            <a:spcBef>
-              <a:spcPct val="0"/>
-            </a:spcBef>
-            <a:spcAft>
-              <a:spcPct val="35000"/>
-            </a:spcAft>
-            <a:buNone/>
-          </a:pPr>
-          <a:r>
-            <a:rPr lang="zh-CN" altLang="en-US" sz="2300" b="1" kern="1200" dirty="0">
-              <a:effectLst>
-                <a:outerShdw blurRad="38100" dist="38100" dir="2700000" algn="tl">
-                  <a:srgbClr val="000000">
-                    <a:alpha val="43137"/>
-                  </a:srgbClr>
-                </a:outerShdw>
-              </a:effectLst>
-            </a:rPr>
-            <a:t>资金</a:t>
-          </a:r>
-          <a:endParaRPr lang="en-US" altLang="zh-CN" sz="2300" b="1" kern="1200" dirty="0">
-            <a:effectLst>
-              <a:outerShdw blurRad="38100" dist="38100" dir="2700000" algn="tl">
-                <a:srgbClr val="000000">
-                  <a:alpha val="43137"/>
-                </a:srgbClr>
-              </a:outerShdw>
-            </a:effectLst>
-          </a:endParaRPr>
-        </a:p>
-        <a:p>
-          <a:pPr marL="0" lvl="0" indent="0" algn="ctr" defTabSz="1022350">
-            <a:lnSpc>
-              <a:spcPct val="90000"/>
-            </a:lnSpc>
-            <a:spcBef>
-              <a:spcPct val="0"/>
-            </a:spcBef>
-            <a:spcAft>
-              <a:spcPct val="35000"/>
-            </a:spcAft>
-            <a:buNone/>
-          </a:pPr>
-          <a:r>
-            <a:rPr lang="zh-CN" altLang="en-US" sz="2300" b="1" kern="1200" dirty="0">
-              <a:effectLst>
-                <a:outerShdw blurRad="38100" dist="38100" dir="2700000" algn="tl">
-                  <a:srgbClr val="000000">
-                    <a:alpha val="43137"/>
-                  </a:srgbClr>
-                </a:outerShdw>
-              </a:effectLst>
-            </a:rPr>
-            <a:t>预算决算</a:t>
-          </a:r>
-        </a:p>
-      </dsp:txBody>
-      <dsp:txXfrm>
-        <a:off x="7781111" y="998264"/>
-        <a:ext cx="2169014" cy="1127672"/>
+        <a:off x="6950336" y="998264"/>
+        <a:ext cx="2883605" cy="1127672"/>
       </dsp:txXfrm>
     </dsp:sp>
   </dsp:spTree>
@@ -11812,12 +11523,12 @@
         <a:fontRef idx="minor"/>
       </dsp:style>
       <dsp:txBody>
-        <a:bodyPr spcFirstLastPara="0" vert="horz" wrap="square" lIns="43180" tIns="129540" rIns="43180" bIns="43180" numCol="1" spcCol="1270" anchor="t" anchorCtr="0">
+        <a:bodyPr spcFirstLastPara="0" vert="horz" wrap="square" lIns="44450" tIns="133350" rIns="44450" bIns="44450" numCol="1" spcCol="1270" anchor="t" anchorCtr="0">
           <a:noAutofit/>
         </a:bodyPr>
         <a:lstStyle/>
         <a:p>
-          <a:pPr marL="285750" lvl="1" indent="-285750" algn="l" defTabSz="1511300">
+          <a:pPr marL="285750" lvl="1" indent="-285750" algn="l" defTabSz="1555750">
             <a:lnSpc>
               <a:spcPct val="90000"/>
             </a:lnSpc>
@@ -11830,33 +11541,7 @@
             <a:buChar char="•"/>
           </a:pPr>
           <a:r>
-            <a:rPr lang="zh-CN" altLang="en-US" sz="3400" b="1" kern="1200" dirty="0">
-              <a:effectLst>
-                <a:outerShdw blurRad="38100" dist="38100" dir="2700000" algn="tl">
-                  <a:srgbClr val="000000">
-                    <a:alpha val="43137"/>
-                  </a:srgbClr>
-                </a:outerShdw>
-              </a:effectLst>
-            </a:rPr>
-            <a:t>取消管理员权限</a:t>
-          </a:r>
-        </a:p>
-        <a:p>
-          <a:pPr marL="285750" lvl="1" indent="-285750" algn="l" defTabSz="1511300">
-            <a:lnSpc>
-              <a:spcPct val="90000"/>
-            </a:lnSpc>
-            <a:spcBef>
-              <a:spcPct val="0"/>
-            </a:spcBef>
-            <a:spcAft>
-              <a:spcPct val="15000"/>
-            </a:spcAft>
-            <a:buChar char="•"/>
-          </a:pPr>
-          <a:r>
-            <a:rPr lang="en-US" altLang="zh-CN" sz="3400" b="1" kern="1200" dirty="0">
+            <a:rPr lang="en-US" altLang="zh-CN" sz="3500" b="1" kern="1200" dirty="0">
               <a:effectLst>
                 <a:outerShdw blurRad="38100" dist="38100" dir="2700000" algn="tl">
                   <a:srgbClr val="000000">
@@ -11868,7 +11553,7 @@
             <a:t>MD5</a:t>
           </a:r>
           <a:r>
-            <a:rPr lang="zh-CN" altLang="en-US" sz="3400" b="1" kern="1200" dirty="0">
+            <a:rPr lang="zh-CN" altLang="en-US" sz="3500" b="1" kern="1200" dirty="0">
               <a:effectLst>
                 <a:outerShdw blurRad="38100" dist="38100" dir="2700000" algn="tl">
                   <a:srgbClr val="000000">
@@ -12098,12 +11783,12 @@
         <a:fontRef idx="minor"/>
       </dsp:style>
       <dsp:txBody>
-        <a:bodyPr spcFirstLastPara="0" vert="horz" wrap="square" lIns="43180" tIns="129540" rIns="43180" bIns="43180" numCol="1" spcCol="1270" anchor="t" anchorCtr="0">
+        <a:bodyPr spcFirstLastPara="0" vert="horz" wrap="square" lIns="44450" tIns="133350" rIns="44450" bIns="44450" numCol="1" spcCol="1270" anchor="t" anchorCtr="0">
           <a:noAutofit/>
         </a:bodyPr>
         <a:lstStyle/>
         <a:p>
-          <a:pPr marL="285750" lvl="1" indent="-285750" algn="l" defTabSz="1511300">
+          <a:pPr marL="285750" lvl="1" indent="-285750" algn="l" defTabSz="1555750">
             <a:lnSpc>
               <a:spcPct val="90000"/>
             </a:lnSpc>
@@ -12116,7 +11801,7 @@
             <a:buChar char="•"/>
           </a:pPr>
           <a:r>
-            <a:rPr lang="zh-CN" altLang="en-US" sz="3400" b="1" kern="1200" dirty="0">
+            <a:rPr lang="zh-CN" altLang="en-US" sz="3500" b="1" kern="1200" dirty="0">
               <a:effectLst>
                 <a:outerShdw blurRad="38100" dist="38100" dir="2700000" algn="tl">
                   <a:srgbClr val="000000">
@@ -12334,12 +12019,12 @@
         <a:fontRef idx="minor"/>
       </dsp:style>
       <dsp:txBody>
-        <a:bodyPr spcFirstLastPara="0" vert="horz" wrap="square" lIns="43180" tIns="129540" rIns="43180" bIns="43180" numCol="1" spcCol="1270" anchor="t" anchorCtr="0">
+        <a:bodyPr spcFirstLastPara="0" vert="horz" wrap="square" lIns="44450" tIns="133350" rIns="44450" bIns="44450" numCol="1" spcCol="1270" anchor="t" anchorCtr="0">
           <a:noAutofit/>
         </a:bodyPr>
         <a:lstStyle/>
         <a:p>
-          <a:pPr marL="285750" lvl="1" indent="-285750" algn="l" defTabSz="1511300">
+          <a:pPr marL="285750" lvl="1" indent="-285750" algn="l" defTabSz="1555750">
             <a:lnSpc>
               <a:spcPct val="90000"/>
             </a:lnSpc>
@@ -12352,7 +12037,7 @@
             <a:buChar char="•"/>
           </a:pPr>
           <a:r>
-            <a:rPr lang="zh-CN" altLang="en-US" sz="3400" b="1" kern="1200" dirty="0">
+            <a:rPr lang="zh-CN" altLang="en-US" sz="3500" b="1" kern="1200" dirty="0">
               <a:effectLst>
                 <a:outerShdw blurRad="38100" dist="38100" dir="2700000" algn="tl">
                   <a:srgbClr val="000000">
@@ -12361,7 +12046,7 @@
                 </a:outerShdw>
               </a:effectLst>
             </a:rPr>
-            <a:t>搜索菜品功能</a:t>
+            <a:t>后台评分统计功能</a:t>
           </a:r>
         </a:p>
       </dsp:txBody>
@@ -22670,7 +22355,7 @@
           <a:p>
             <a:fld id="{5EA11718-8BA0-40B4-86DF-BAB01BDCF326}" type="datetimeFigureOut">
               <a:rPr lang="zh-CN" altLang="en-US" smtClean="0"/>
-              <a:t>2016/9/17</a:t>
+              <a:t>2016/9/18</a:t>
             </a:fld>
             <a:endParaRPr lang="zh-CN" altLang="en-US"/>
           </a:p>
@@ -22733,6 +22418,18 @@
   <p:clrMapOvr>
     <a:masterClrMapping/>
   </p:clrMapOvr>
+  <mc:AlternateContent xmlns:mc="http://schemas.openxmlformats.org/markup-compatibility/2006">
+    <mc:Choice xmlns:p14="http://schemas.microsoft.com/office/powerpoint/2010/main" Requires="p14">
+      <p:transition spd="med" p14:dur="700">
+        <p:fade/>
+      </p:transition>
+    </mc:Choice>
+    <mc:Fallback>
+      <p:transition spd="med">
+        <p:fade/>
+      </p:transition>
+    </mc:Fallback>
+  </mc:AlternateContent>
 </p:sldLayout>
 </file>
 
@@ -22966,7 +22663,7 @@
           <a:p>
             <a:fld id="{5EA11718-8BA0-40B4-86DF-BAB01BDCF326}" type="datetimeFigureOut">
               <a:rPr lang="zh-CN" altLang="en-US" smtClean="0"/>
-              <a:t>2016/9/17</a:t>
+              <a:t>2016/9/18</a:t>
             </a:fld>
             <a:endParaRPr lang="zh-CN" altLang="en-US"/>
           </a:p>
@@ -23024,6 +22721,18 @@
   <p:clrMapOvr>
     <a:masterClrMapping/>
   </p:clrMapOvr>
+  <mc:AlternateContent xmlns:mc="http://schemas.openxmlformats.org/markup-compatibility/2006">
+    <mc:Choice xmlns:p14="http://schemas.microsoft.com/office/powerpoint/2010/main" Requires="p14">
+      <p:transition spd="med" p14:dur="700">
+        <p:fade/>
+      </p:transition>
+    </mc:Choice>
+    <mc:Fallback>
+      <p:transition spd="med">
+        <p:fade/>
+      </p:transition>
+    </mc:Fallback>
+  </mc:AlternateContent>
 </p:sldLayout>
 </file>
 
@@ -23214,7 +22923,7 @@
           <a:p>
             <a:fld id="{5EA11718-8BA0-40B4-86DF-BAB01BDCF326}" type="datetimeFigureOut">
               <a:rPr lang="zh-CN" altLang="en-US" smtClean="0"/>
-              <a:t>2016/9/17</a:t>
+              <a:t>2016/9/18</a:t>
             </a:fld>
             <a:endParaRPr lang="zh-CN" altLang="en-US"/>
           </a:p>
@@ -23272,6 +22981,18 @@
   <p:clrMapOvr>
     <a:masterClrMapping/>
   </p:clrMapOvr>
+  <mc:AlternateContent xmlns:mc="http://schemas.openxmlformats.org/markup-compatibility/2006">
+    <mc:Choice xmlns:p14="http://schemas.microsoft.com/office/powerpoint/2010/main" Requires="p14">
+      <p:transition spd="med" p14:dur="700">
+        <p:fade/>
+      </p:transition>
+    </mc:Choice>
+    <mc:Fallback>
+      <p:transition spd="med">
+        <p:fade/>
+      </p:transition>
+    </mc:Fallback>
+  </mc:AlternateContent>
 </p:sldLayout>
 </file>
 
@@ -23754,7 +23475,7 @@
           <a:p>
             <a:fld id="{5EA11718-8BA0-40B4-86DF-BAB01BDCF326}" type="datetimeFigureOut">
               <a:rPr lang="zh-CN" altLang="en-US" smtClean="0"/>
-              <a:t>2016/9/17</a:t>
+              <a:t>2016/9/18</a:t>
             </a:fld>
             <a:endParaRPr lang="zh-CN" altLang="en-US"/>
           </a:p>
@@ -23812,6 +23533,18 @@
   <p:clrMapOvr>
     <a:masterClrMapping/>
   </p:clrMapOvr>
+  <mc:AlternateContent xmlns:mc="http://schemas.openxmlformats.org/markup-compatibility/2006">
+    <mc:Choice xmlns:p14="http://schemas.microsoft.com/office/powerpoint/2010/main" Requires="p14">
+      <p:transition spd="med" p14:dur="700">
+        <p:fade/>
+      </p:transition>
+    </mc:Choice>
+    <mc:Fallback>
+      <p:transition spd="med">
+        <p:fade/>
+      </p:transition>
+    </mc:Fallback>
+  </mc:AlternateContent>
 </p:sldLayout>
 </file>
 
@@ -24002,7 +23735,7 @@
           <a:p>
             <a:fld id="{5EA11718-8BA0-40B4-86DF-BAB01BDCF326}" type="datetimeFigureOut">
               <a:rPr lang="zh-CN" altLang="en-US" smtClean="0"/>
-              <a:t>2016/9/17</a:t>
+              <a:t>2016/9/18</a:t>
             </a:fld>
             <a:endParaRPr lang="zh-CN" altLang="en-US"/>
           </a:p>
@@ -24060,6 +23793,18 @@
   <p:clrMapOvr>
     <a:masterClrMapping/>
   </p:clrMapOvr>
+  <mc:AlternateContent xmlns:mc="http://schemas.openxmlformats.org/markup-compatibility/2006">
+    <mc:Choice xmlns:p14="http://schemas.microsoft.com/office/powerpoint/2010/main" Requires="p14">
+      <p:transition spd="med" p14:dur="700">
+        <p:fade/>
+      </p:transition>
+    </mc:Choice>
+    <mc:Fallback>
+      <p:transition spd="med">
+        <p:fade/>
+      </p:transition>
+    </mc:Fallback>
+  </mc:AlternateContent>
 </p:sldLayout>
 </file>
 
@@ -24534,7 +24279,7 @@
           <a:p>
             <a:fld id="{5EA11718-8BA0-40B4-86DF-BAB01BDCF326}" type="datetimeFigureOut">
               <a:rPr lang="zh-CN" altLang="en-US" smtClean="0"/>
-              <a:t>2016/9/17</a:t>
+              <a:t>2016/9/18</a:t>
             </a:fld>
             <a:endParaRPr lang="zh-CN" altLang="en-US"/>
           </a:p>
@@ -24592,6 +24337,18 @@
   <p:clrMapOvr>
     <a:masterClrMapping/>
   </p:clrMapOvr>
+  <mc:AlternateContent xmlns:mc="http://schemas.openxmlformats.org/markup-compatibility/2006">
+    <mc:Choice xmlns:p14="http://schemas.microsoft.com/office/powerpoint/2010/main" Requires="p14">
+      <p:transition spd="med" p14:dur="700">
+        <p:fade/>
+      </p:transition>
+    </mc:Choice>
+    <mc:Fallback>
+      <p:transition spd="med">
+        <p:fade/>
+      </p:transition>
+    </mc:Fallback>
+  </mc:AlternateContent>
 </p:sldLayout>
 </file>
 
@@ -24831,7 +24588,7 @@
           <a:p>
             <a:fld id="{5EA11718-8BA0-40B4-86DF-BAB01BDCF326}" type="datetimeFigureOut">
               <a:rPr lang="zh-CN" altLang="en-US" smtClean="0"/>
-              <a:t>2016/9/17</a:t>
+              <a:t>2016/9/18</a:t>
             </a:fld>
             <a:endParaRPr lang="zh-CN" altLang="en-US"/>
           </a:p>
@@ -24889,6 +24646,18 @@
   <p:clrMapOvr>
     <a:masterClrMapping/>
   </p:clrMapOvr>
+  <mc:AlternateContent xmlns:mc="http://schemas.openxmlformats.org/markup-compatibility/2006">
+    <mc:Choice xmlns:p14="http://schemas.microsoft.com/office/powerpoint/2010/main" Requires="p14">
+      <p:transition spd="med" p14:dur="700">
+        <p:fade/>
+      </p:transition>
+    </mc:Choice>
+    <mc:Fallback>
+      <p:transition spd="med">
+        <p:fade/>
+      </p:transition>
+    </mc:Fallback>
+  </mc:AlternateContent>
 </p:sldLayout>
 </file>
 
@@ -25005,7 +24774,7 @@
           <a:p>
             <a:fld id="{5EA11718-8BA0-40B4-86DF-BAB01BDCF326}" type="datetimeFigureOut">
               <a:rPr lang="zh-CN" altLang="en-US" smtClean="0"/>
-              <a:t>2016/9/17</a:t>
+              <a:t>2016/9/18</a:t>
             </a:fld>
             <a:endParaRPr lang="zh-CN" altLang="en-US"/>
           </a:p>
@@ -25063,6 +24832,18 @@
   <p:clrMapOvr>
     <a:masterClrMapping/>
   </p:clrMapOvr>
+  <mc:AlternateContent xmlns:mc="http://schemas.openxmlformats.org/markup-compatibility/2006">
+    <mc:Choice xmlns:p14="http://schemas.microsoft.com/office/powerpoint/2010/main" Requires="p14">
+      <p:transition spd="med" p14:dur="700">
+        <p:fade/>
+      </p:transition>
+    </mc:Choice>
+    <mc:Fallback>
+      <p:transition spd="med">
+        <p:fade/>
+      </p:transition>
+    </mc:Fallback>
+  </mc:AlternateContent>
 </p:sldLayout>
 </file>
 
@@ -25185,7 +24966,7 @@
           <a:p>
             <a:fld id="{5EA11718-8BA0-40B4-86DF-BAB01BDCF326}" type="datetimeFigureOut">
               <a:rPr lang="zh-CN" altLang="en-US" smtClean="0"/>
-              <a:t>2016/9/17</a:t>
+              <a:t>2016/9/18</a:t>
             </a:fld>
             <a:endParaRPr lang="zh-CN" altLang="en-US"/>
           </a:p>
@@ -25243,6 +25024,18 @@
   <p:clrMapOvr>
     <a:masterClrMapping/>
   </p:clrMapOvr>
+  <mc:AlternateContent xmlns:mc="http://schemas.openxmlformats.org/markup-compatibility/2006">
+    <mc:Choice xmlns:p14="http://schemas.microsoft.com/office/powerpoint/2010/main" Requires="p14">
+      <p:transition spd="med" p14:dur="700">
+        <p:fade/>
+      </p:transition>
+    </mc:Choice>
+    <mc:Fallback>
+      <p:transition spd="med">
+        <p:fade/>
+      </p:transition>
+    </mc:Fallback>
+  </mc:AlternateContent>
 </p:sldLayout>
 </file>
 
@@ -25396,7 +25189,7 @@
           <a:p>
             <a:fld id="{5EA11718-8BA0-40B4-86DF-BAB01BDCF326}" type="datetimeFigureOut">
               <a:rPr lang="zh-CN" altLang="en-US" smtClean="0"/>
-              <a:t>2016/9/17</a:t>
+              <a:t>2016/9/18</a:t>
             </a:fld>
             <a:endParaRPr lang="zh-CN" altLang="en-US"/>
           </a:p>
@@ -25459,6 +25252,18 @@
   <p:clrMapOvr>
     <a:masterClrMapping/>
   </p:clrMapOvr>
+  <mc:AlternateContent xmlns:mc="http://schemas.openxmlformats.org/markup-compatibility/2006">
+    <mc:Choice xmlns:p14="http://schemas.microsoft.com/office/powerpoint/2010/main" Requires="p14">
+      <p:transition spd="med" p14:dur="700">
+        <p:fade/>
+      </p:transition>
+    </mc:Choice>
+    <mc:Fallback>
+      <p:transition spd="med">
+        <p:fade/>
+      </p:transition>
+    </mc:Fallback>
+  </mc:AlternateContent>
 </p:sldLayout>
 </file>
 
@@ -25647,7 +25452,7 @@
           <a:p>
             <a:fld id="{5EA11718-8BA0-40B4-86DF-BAB01BDCF326}" type="datetimeFigureOut">
               <a:rPr lang="zh-CN" altLang="en-US" smtClean="0"/>
-              <a:t>2016/9/17</a:t>
+              <a:t>2016/9/18</a:t>
             </a:fld>
             <a:endParaRPr lang="zh-CN" altLang="en-US"/>
           </a:p>
@@ -25705,6 +25510,18 @@
   <p:clrMapOvr>
     <a:masterClrMapping/>
   </p:clrMapOvr>
+  <mc:AlternateContent xmlns:mc="http://schemas.openxmlformats.org/markup-compatibility/2006">
+    <mc:Choice xmlns:p14="http://schemas.microsoft.com/office/powerpoint/2010/main" Requires="p14">
+      <p:transition spd="med" p14:dur="700">
+        <p:fade/>
+      </p:transition>
+    </mc:Choice>
+    <mc:Fallback>
+      <p:transition spd="med">
+        <p:fade/>
+      </p:transition>
+    </mc:Fallback>
+  </mc:AlternateContent>
 </p:sldLayout>
 </file>
 
@@ -25994,7 +25811,7 @@
           <a:p>
             <a:fld id="{5EA11718-8BA0-40B4-86DF-BAB01BDCF326}" type="datetimeFigureOut">
               <a:rPr lang="zh-CN" altLang="en-US" smtClean="0"/>
-              <a:t>2016/9/17</a:t>
+              <a:t>2016/9/18</a:t>
             </a:fld>
             <a:endParaRPr lang="zh-CN" altLang="en-US"/>
           </a:p>
@@ -26052,6 +25869,18 @@
   <p:clrMapOvr>
     <a:masterClrMapping/>
   </p:clrMapOvr>
+  <mc:AlternateContent xmlns:mc="http://schemas.openxmlformats.org/markup-compatibility/2006">
+    <mc:Choice xmlns:p14="http://schemas.microsoft.com/office/powerpoint/2010/main" Requires="p14">
+      <p:transition spd="med" p14:dur="700">
+        <p:fade/>
+      </p:transition>
+    </mc:Choice>
+    <mc:Fallback>
+      <p:transition spd="med">
+        <p:fade/>
+      </p:transition>
+    </mc:Fallback>
+  </mc:AlternateContent>
 </p:sldLayout>
 </file>
 
@@ -26486,7 +26315,7 @@
           <a:p>
             <a:fld id="{5EA11718-8BA0-40B4-86DF-BAB01BDCF326}" type="datetimeFigureOut">
               <a:rPr lang="zh-CN" altLang="en-US" smtClean="0"/>
-              <a:t>2016/9/17</a:t>
+              <a:t>2016/9/18</a:t>
             </a:fld>
             <a:endParaRPr lang="zh-CN" altLang="en-US"/>
           </a:p>
@@ -26544,6 +26373,18 @@
   <p:clrMapOvr>
     <a:masterClrMapping/>
   </p:clrMapOvr>
+  <mc:AlternateContent xmlns:mc="http://schemas.openxmlformats.org/markup-compatibility/2006">
+    <mc:Choice xmlns:p14="http://schemas.microsoft.com/office/powerpoint/2010/main" Requires="p14">
+      <p:transition spd="med" p14:dur="700">
+        <p:fade/>
+      </p:transition>
+    </mc:Choice>
+    <mc:Fallback>
+      <p:transition spd="med">
+        <p:fade/>
+      </p:transition>
+    </mc:Fallback>
+  </mc:AlternateContent>
 </p:sldLayout>
 </file>
 
@@ -26604,7 +26445,7 @@
           <a:p>
             <a:fld id="{5EA11718-8BA0-40B4-86DF-BAB01BDCF326}" type="datetimeFigureOut">
               <a:rPr lang="zh-CN" altLang="en-US" smtClean="0"/>
-              <a:t>2016/9/17</a:t>
+              <a:t>2016/9/18</a:t>
             </a:fld>
             <a:endParaRPr lang="zh-CN" altLang="en-US"/>
           </a:p>
@@ -26662,6 +26503,18 @@
   <p:clrMapOvr>
     <a:masterClrMapping/>
   </p:clrMapOvr>
+  <mc:AlternateContent xmlns:mc="http://schemas.openxmlformats.org/markup-compatibility/2006">
+    <mc:Choice xmlns:p14="http://schemas.microsoft.com/office/powerpoint/2010/main" Requires="p14">
+      <p:transition spd="med" p14:dur="700">
+        <p:fade/>
+      </p:transition>
+    </mc:Choice>
+    <mc:Fallback>
+      <p:transition spd="med">
+        <p:fade/>
+      </p:transition>
+    </mc:Fallback>
+  </mc:AlternateContent>
 </p:sldLayout>
 </file>
 
@@ -26699,7 +26552,7 @@
           <a:p>
             <a:fld id="{5EA11718-8BA0-40B4-86DF-BAB01BDCF326}" type="datetimeFigureOut">
               <a:rPr lang="zh-CN" altLang="en-US" smtClean="0"/>
-              <a:t>2016/9/17</a:t>
+              <a:t>2016/9/18</a:t>
             </a:fld>
             <a:endParaRPr lang="zh-CN" altLang="en-US"/>
           </a:p>
@@ -26757,6 +26610,18 @@
   <p:clrMapOvr>
     <a:masterClrMapping/>
   </p:clrMapOvr>
+  <mc:AlternateContent xmlns:mc="http://schemas.openxmlformats.org/markup-compatibility/2006">
+    <mc:Choice xmlns:p14="http://schemas.microsoft.com/office/powerpoint/2010/main" Requires="p14">
+      <p:transition spd="med" p14:dur="700">
+        <p:fade/>
+      </p:transition>
+    </mc:Choice>
+    <mc:Fallback>
+      <p:transition spd="med">
+        <p:fade/>
+      </p:transition>
+    </mc:Fallback>
+  </mc:AlternateContent>
 </p:sldLayout>
 </file>
 
@@ -26982,7 +26847,7 @@
           <a:p>
             <a:fld id="{5EA11718-8BA0-40B4-86DF-BAB01BDCF326}" type="datetimeFigureOut">
               <a:rPr lang="zh-CN" altLang="en-US" smtClean="0"/>
-              <a:t>2016/9/17</a:t>
+              <a:t>2016/9/18</a:t>
             </a:fld>
             <a:endParaRPr lang="zh-CN" altLang="en-US"/>
           </a:p>
@@ -27040,6 +26905,18 @@
   <p:clrMapOvr>
     <a:masterClrMapping/>
   </p:clrMapOvr>
+  <mc:AlternateContent xmlns:mc="http://schemas.openxmlformats.org/markup-compatibility/2006">
+    <mc:Choice xmlns:p14="http://schemas.microsoft.com/office/powerpoint/2010/main" Requires="p14">
+      <p:transition spd="med" p14:dur="700">
+        <p:fade/>
+      </p:transition>
+    </mc:Choice>
+    <mc:Fallback>
+      <p:transition spd="med">
+        <p:fade/>
+      </p:transition>
+    </mc:Fallback>
+  </mc:AlternateContent>
 </p:sldLayout>
 </file>
 
@@ -27273,7 +27150,7 @@
           <a:p>
             <a:fld id="{5EA11718-8BA0-40B4-86DF-BAB01BDCF326}" type="datetimeFigureOut">
               <a:rPr lang="zh-CN" altLang="en-US" smtClean="0"/>
-              <a:t>2016/9/17</a:t>
+              <a:t>2016/9/18</a:t>
             </a:fld>
             <a:endParaRPr lang="zh-CN" altLang="en-US"/>
           </a:p>
@@ -27331,6 +27208,18 @@
   <p:clrMapOvr>
     <a:masterClrMapping/>
   </p:clrMapOvr>
+  <mc:AlternateContent xmlns:mc="http://schemas.openxmlformats.org/markup-compatibility/2006">
+    <mc:Choice xmlns:p14="http://schemas.microsoft.com/office/powerpoint/2010/main" Requires="p14">
+      <p:transition spd="med" p14:dur="700">
+        <p:fade/>
+      </p:transition>
+    </mc:Choice>
+    <mc:Fallback>
+      <p:transition spd="med">
+        <p:fade/>
+      </p:transition>
+    </mc:Fallback>
+  </mc:AlternateContent>
 </p:sldLayout>
 </file>
 
@@ -27803,7 +27692,7 @@
           <a:p>
             <a:fld id="{5EA11718-8BA0-40B4-86DF-BAB01BDCF326}" type="datetimeFigureOut">
               <a:rPr lang="zh-CN" altLang="en-US" smtClean="0"/>
-              <a:t>2016/9/17</a:t>
+              <a:t>2016/9/18</a:t>
             </a:fld>
             <a:endParaRPr lang="zh-CN" altLang="en-US"/>
           </a:p>
@@ -27914,6 +27803,18 @@
     <p:sldLayoutId id="2147483694" r:id="rId16"/>
     <p:sldLayoutId id="2147483695" r:id="rId17"/>
   </p:sldLayoutIdLst>
+  <mc:AlternateContent xmlns:mc="http://schemas.openxmlformats.org/markup-compatibility/2006">
+    <mc:Choice xmlns:p14="http://schemas.microsoft.com/office/powerpoint/2010/main" Requires="p14">
+      <p:transition spd="med" p14:dur="700">
+        <p:fade/>
+      </p:transition>
+    </mc:Choice>
+    <mc:Fallback>
+      <p:transition spd="med">
+        <p:fade/>
+      </p:transition>
+    </mc:Fallback>
+  </mc:AlternateContent>
   <p:txStyles>
     <p:titleStyle>
       <a:lvl1pPr algn="ctr" defTabSz="457200" rtl="0" eaLnBrk="1" latinLnBrk="0" hangingPunct="1">
@@ -28448,91 +28349,22 @@
   <p:clrMapOvr>
     <a:masterClrMapping/>
   </p:clrMapOvr>
+  <mc:AlternateContent xmlns:mc="http://schemas.openxmlformats.org/markup-compatibility/2006">
+    <mc:Choice xmlns:p14="http://schemas.microsoft.com/office/powerpoint/2010/main" Requires="p14">
+      <p:transition spd="med" p14:dur="700">
+        <p:fade/>
+      </p:transition>
+    </mc:Choice>
+    <mc:Fallback>
+      <p:transition spd="med">
+        <p:fade/>
+      </p:transition>
+    </mc:Fallback>
+  </mc:AlternateContent>
 </p:sld>
 </file>
 
 <file path=ppt/slides/slide10.xml><?xml version="1.0" encoding="utf-8"?>
-<p:sld xmlns:a="http://schemas.openxmlformats.org/drawingml/2006/main" xmlns:r="http://schemas.openxmlformats.org/officeDocument/2006/relationships" xmlns:p="http://schemas.openxmlformats.org/presentationml/2006/main">
-  <p:cSld>
-    <p:spTree>
-      <p:nvGrpSpPr>
-        <p:cNvPr id="1" name=""/>
-        <p:cNvGrpSpPr/>
-        <p:nvPr/>
-      </p:nvGrpSpPr>
-      <p:grpSpPr>
-        <a:xfrm>
-          <a:off x="0" y="0"/>
-          <a:ext cx="0" cy="0"/>
-          <a:chOff x="0" y="0"/>
-          <a:chExt cx="0" cy="0"/>
-        </a:xfrm>
-      </p:grpSpPr>
-      <p:sp>
-        <p:nvSpPr>
-          <p:cNvPr id="2" name="标题 1"/>
-          <p:cNvSpPr>
-            <a:spLocks noGrp="1"/>
-          </p:cNvSpPr>
-          <p:nvPr>
-            <p:ph type="title"/>
-          </p:nvPr>
-        </p:nvSpPr>
-        <p:spPr/>
-        <p:txBody>
-          <a:bodyPr>
-            <a:normAutofit/>
-          </a:bodyPr>
-          <a:lstStyle/>
-          <a:p>
-            <a:r>
-              <a:rPr lang="zh-CN" altLang="en-US" sz="6000" b="1" dirty="0">
-                <a:effectLst>
-                  <a:outerShdw blurRad="38100" dist="38100" dir="2700000" algn="tl">
-                    <a:srgbClr val="000000">
-                      <a:alpha val="43137"/>
-                    </a:srgbClr>
-                  </a:outerShdw>
-                </a:effectLst>
-              </a:rPr>
-              <a:t>资金预算决算</a:t>
-            </a:r>
-          </a:p>
-        </p:txBody>
-      </p:sp>
-      <p:sp>
-        <p:nvSpPr>
-          <p:cNvPr id="3" name="内容占位符 2"/>
-          <p:cNvSpPr>
-            <a:spLocks noGrp="1"/>
-          </p:cNvSpPr>
-          <p:nvPr>
-            <p:ph idx="1"/>
-          </p:nvPr>
-        </p:nvSpPr>
-        <p:spPr/>
-        <p:txBody>
-          <a:bodyPr/>
-          <a:lstStyle/>
-          <a:p>
-            <a:endParaRPr lang="zh-CN" altLang="en-US" dirty="0"/>
-          </a:p>
-        </p:txBody>
-      </p:sp>
-    </p:spTree>
-    <p:extLst>
-      <p:ext uri="{BB962C8B-B14F-4D97-AF65-F5344CB8AC3E}">
-        <p14:creationId xmlns:p14="http://schemas.microsoft.com/office/powerpoint/2010/main" val="1884088251"/>
-      </p:ext>
-    </p:extLst>
-  </p:cSld>
-  <p:clrMapOvr>
-    <a:masterClrMapping/>
-  </p:clrMapOvr>
-</p:sld>
-</file>
-
-<file path=ppt/slides/slide11.xml><?xml version="1.0" encoding="utf-8"?>
 <p:sld xmlns:a="http://schemas.openxmlformats.org/drawingml/2006/main" xmlns:r="http://schemas.openxmlformats.org/officeDocument/2006/relationships" xmlns:p="http://schemas.openxmlformats.org/presentationml/2006/main">
   <p:cSld>
     <p:spTree>
@@ -28637,6 +28469,18 @@
   <p:clrMapOvr>
     <a:masterClrMapping/>
   </p:clrMapOvr>
+  <mc:AlternateContent xmlns:mc="http://schemas.openxmlformats.org/markup-compatibility/2006">
+    <mc:Choice xmlns:p14="http://schemas.microsoft.com/office/powerpoint/2010/main" Requires="p14">
+      <p:transition spd="med" p14:dur="700">
+        <p:fade/>
+      </p:transition>
+    </mc:Choice>
+    <mc:Fallback>
+      <p:transition spd="med">
+        <p:fade/>
+      </p:transition>
+    </mc:Fallback>
+  </mc:AlternateContent>
 </p:sld>
 </file>
 
@@ -28711,7 +28555,7 @@
             <p:ph idx="1"/>
             <p:extLst>
               <p:ext uri="{D42A27DB-BD31-4B8C-83A1-F6EECF244321}">
-                <p14:modId xmlns:p14="http://schemas.microsoft.com/office/powerpoint/2010/main" val="1995051376"/>
+                <p14:modId xmlns:p14="http://schemas.microsoft.com/office/powerpoint/2010/main" val="1990667727"/>
               </p:ext>
             </p:extLst>
           </p:nvPr>
@@ -28736,6 +28580,18 @@
   <p:clrMapOvr>
     <a:masterClrMapping/>
   </p:clrMapOvr>
+  <mc:AlternateContent xmlns:mc="http://schemas.openxmlformats.org/markup-compatibility/2006">
+    <mc:Choice xmlns:p14="http://schemas.microsoft.com/office/powerpoint/2010/main" Requires="p14">
+      <p:transition spd="med" p14:dur="700">
+        <p:fade/>
+      </p:transition>
+    </mc:Choice>
+    <mc:Fallback>
+      <p:transition spd="med">
+        <p:fade/>
+      </p:transition>
+    </mc:Fallback>
+  </mc:AlternateContent>
 </p:sld>
 </file>
 
@@ -28798,6 +28654,18 @@
   <p:clrMapOvr>
     <a:masterClrMapping/>
   </p:clrMapOvr>
+  <mc:AlternateContent xmlns:mc="http://schemas.openxmlformats.org/markup-compatibility/2006">
+    <mc:Choice xmlns:p14="http://schemas.microsoft.com/office/powerpoint/2010/main" Requires="p14">
+      <p:transition spd="med" p14:dur="700">
+        <p:fade/>
+      </p:transition>
+    </mc:Choice>
+    <mc:Fallback>
+      <p:transition spd="med">
+        <p:fade/>
+      </p:transition>
+    </mc:Fallback>
+  </mc:AlternateContent>
 </p:sld>
 </file>
 
@@ -28885,6 +28753,18 @@
   <p:clrMapOvr>
     <a:masterClrMapping/>
   </p:clrMapOvr>
+  <mc:AlternateContent xmlns:mc="http://schemas.openxmlformats.org/markup-compatibility/2006">
+    <mc:Choice xmlns:p14="http://schemas.microsoft.com/office/powerpoint/2010/main" Requires="p14">
+      <p:transition spd="med" p14:dur="700">
+        <p:fade/>
+      </p:transition>
+    </mc:Choice>
+    <mc:Fallback>
+      <p:transition spd="med">
+        <p:fade/>
+      </p:transition>
+    </mc:Fallback>
+  </mc:AlternateContent>
 </p:sld>
 </file>
 
@@ -29022,6 +28902,18 @@
   <p:clrMapOvr>
     <a:masterClrMapping/>
   </p:clrMapOvr>
+  <mc:AlternateContent xmlns:mc="http://schemas.openxmlformats.org/markup-compatibility/2006">
+    <mc:Choice xmlns:p14="http://schemas.microsoft.com/office/powerpoint/2010/main" Requires="p14">
+      <p:transition spd="med" p14:dur="700">
+        <p:fade/>
+      </p:transition>
+    </mc:Choice>
+    <mc:Fallback>
+      <p:transition spd="med">
+        <p:fade/>
+      </p:transition>
+    </mc:Fallback>
+  </mc:AlternateContent>
 </p:sld>
 </file>
 
@@ -29133,6 +29025,18 @@
   <p:clrMapOvr>
     <a:masterClrMapping/>
   </p:clrMapOvr>
+  <mc:AlternateContent xmlns:mc="http://schemas.openxmlformats.org/markup-compatibility/2006">
+    <mc:Choice xmlns:p14="http://schemas.microsoft.com/office/powerpoint/2010/main" Requires="p14">
+      <p:transition spd="med" p14:dur="700">
+        <p:fade/>
+      </p:transition>
+    </mc:Choice>
+    <mc:Fallback>
+      <p:transition spd="med">
+        <p:fade/>
+      </p:transition>
+    </mc:Fallback>
+  </mc:AlternateContent>
 </p:sld>
 </file>
 
@@ -29244,6 +29148,18 @@
   <p:clrMapOvr>
     <a:masterClrMapping/>
   </p:clrMapOvr>
+  <mc:AlternateContent xmlns:mc="http://schemas.openxmlformats.org/markup-compatibility/2006">
+    <mc:Choice xmlns:p14="http://schemas.microsoft.com/office/powerpoint/2010/main" Requires="p14">
+      <p:transition spd="med" p14:dur="700">
+        <p:fade/>
+      </p:transition>
+    </mc:Choice>
+    <mc:Fallback>
+      <p:transition spd="med">
+        <p:fade/>
+      </p:transition>
+    </mc:Fallback>
+  </mc:AlternateContent>
 </p:sld>
 </file>
 
@@ -29330,7 +29246,7 @@
             <p:ph idx="1"/>
             <p:extLst>
               <p:ext uri="{D42A27DB-BD31-4B8C-83A1-F6EECF244321}">
-                <p14:modId xmlns:p14="http://schemas.microsoft.com/office/powerpoint/2010/main" val="3870152340"/>
+                <p14:modId xmlns:p14="http://schemas.microsoft.com/office/powerpoint/2010/main" val="1798235266"/>
               </p:ext>
             </p:extLst>
           </p:nvPr>
@@ -29355,6 +29271,18 @@
   <p:clrMapOvr>
     <a:masterClrMapping/>
   </p:clrMapOvr>
+  <mc:AlternateContent xmlns:mc="http://schemas.openxmlformats.org/markup-compatibility/2006">
+    <mc:Choice xmlns:p14="http://schemas.microsoft.com/office/powerpoint/2010/main" Requires="p14">
+      <p:transition spd="med" p14:dur="700">
+        <p:fade/>
+      </p:transition>
+    </mc:Choice>
+    <mc:Fallback>
+      <p:transition spd="med">
+        <p:fade/>
+      </p:transition>
+    </mc:Fallback>
+  </mc:AlternateContent>
 </p:sld>
 </file>
 
@@ -29518,6 +29446,18 @@
   <p:clrMapOvr>
     <a:masterClrMapping/>
   </p:clrMapOvr>
+  <mc:AlternateContent xmlns:mc="http://schemas.openxmlformats.org/markup-compatibility/2006">
+    <mc:Choice xmlns:p14="http://schemas.microsoft.com/office/powerpoint/2010/main" Requires="p14">
+      <p:transition spd="med" p14:dur="700">
+        <p:fade/>
+      </p:transition>
+    </mc:Choice>
+    <mc:Fallback>
+      <p:transition spd="med">
+        <p:fade/>
+      </p:transition>
+    </mc:Fallback>
+  </mc:AlternateContent>
 </p:sld>
 </file>
 
